--- a/Jacks allt å inget/presentation/Gasis (1).pptx
+++ b/Jacks allt å inget/presentation/Gasis (1).pptx
@@ -288,7 +288,7 @@
         <p:spPr>
           <a:xfrm>
             <a:off x="381300" y="685800"/>
-            <a:ext cx="6096075" cy="3429000"/>
+            <a:ext cx="6096000" cy="3429000"/>
           </a:xfrm>
           <a:custGeom>
             <a:rect b="b" l="l" r="r" t="t"/>
@@ -714,7 +714,7 @@
         <p:spPr>
           <a:xfrm>
             <a:off x="381300" y="685800"/>
-            <a:ext cx="6096075" cy="3429000"/>
+            <a:ext cx="6096000" cy="3429000"/>
           </a:xfrm>
           <a:custGeom>
             <a:rect b="b" l="l" r="r" t="t"/>
@@ -5467,8 +5467,8 @@
         </p:blipFill>
         <p:spPr>
           <a:xfrm>
-            <a:off x="3411499" y="1324030"/>
-            <a:ext cx="2170767" cy="2589895"/>
+            <a:off x="1993325" y="-916800"/>
+            <a:ext cx="6215075" cy="2437300"/>
           </a:xfrm>
           <a:prstGeom prst="rect">
             <a:avLst/>
@@ -5495,8 +5495,8 @@
         </p:blipFill>
         <p:spPr>
           <a:xfrm>
-            <a:off x="5108479" y="3073021"/>
-            <a:ext cx="192765" cy="235314"/>
+            <a:off x="2207575" y="264987"/>
+            <a:ext cx="4515949" cy="4932076"/>
           </a:xfrm>
           <a:prstGeom prst="rect">
             <a:avLst/>
@@ -5523,8 +5523,8 @@
         </p:blipFill>
         <p:spPr>
           <a:xfrm>
-            <a:off x="3917551" y="3117930"/>
-            <a:ext cx="151135" cy="190410"/>
+            <a:off x="5796546" y="3542708"/>
+            <a:ext cx="382826" cy="467325"/>
           </a:xfrm>
           <a:prstGeom prst="rect">
             <a:avLst/>
@@ -5542,7 +5542,7 @@
           <p:nvPr/>
         </p:nvPicPr>
         <p:blipFill>
-          <a:blip r:embed="rId4">
+          <a:blip r:embed="rId6">
             <a:alphaModFix/>
           </a:blip>
           <a:stretch>
@@ -5550,9 +5550,9 @@
           </a:stretch>
         </p:blipFill>
         <p:spPr>
-          <a:xfrm rot="10800000">
-            <a:off x="5210607" y="2858019"/>
-            <a:ext cx="192765" cy="235314"/>
+          <a:xfrm>
+            <a:off x="3202548" y="3588801"/>
+            <a:ext cx="382825" cy="482310"/>
           </a:xfrm>
           <a:prstGeom prst="rect">
             <a:avLst/>
@@ -5578,9 +5578,9 @@
           </a:stretch>
         </p:blipFill>
         <p:spPr>
-          <a:xfrm rot="-10041813">
-            <a:off x="3778016" y="2851921"/>
-            <a:ext cx="196468" cy="247511"/>
+          <a:xfrm rot="10800000">
+            <a:off x="5976546" y="3136745"/>
+            <a:ext cx="382826" cy="467325"/>
           </a:xfrm>
           <a:prstGeom prst="rect">
             <a:avLst/>
@@ -5606,9 +5606,9 @@
           </a:stretch>
         </p:blipFill>
         <p:spPr>
-          <a:xfrm rot="-1972349">
-            <a:off x="5246598" y="1784459"/>
-            <a:ext cx="538890" cy="291582"/>
+          <a:xfrm rot="-10041824">
+            <a:off x="2951445" y="3075809"/>
+            <a:ext cx="390181" cy="491552"/>
           </a:xfrm>
           <a:prstGeom prst="rect">
             <a:avLst/>
@@ -5634,9 +5634,9 @@
           </a:stretch>
         </p:blipFill>
         <p:spPr>
-          <a:xfrm rot="1784629">
-            <a:off x="3363207" y="1769199"/>
-            <a:ext cx="595290" cy="322101"/>
+          <a:xfrm rot="-1972349">
+            <a:off x="6048022" y="951763"/>
+            <a:ext cx="1070225" cy="579075"/>
           </a:xfrm>
           <a:prstGeom prst="rect">
             <a:avLst/>
@@ -5654,7 +5654,7 @@
           <p:nvPr/>
         </p:nvPicPr>
         <p:blipFill>
-          <a:blip r:embed="rId4">
+          <a:blip r:embed="rId8">
             <a:alphaModFix/>
           </a:blip>
           <a:stretch>
@@ -5662,9 +5662,9 @@
           </a:stretch>
         </p:blipFill>
         <p:spPr>
-          <a:xfrm>
-            <a:off x="5301243" y="2672948"/>
-            <a:ext cx="192765" cy="235314"/>
+          <a:xfrm rot="1784625">
+            <a:off x="2127645" y="921457"/>
+            <a:ext cx="1182234" cy="639686"/>
           </a:xfrm>
           <a:prstGeom prst="rect">
             <a:avLst/>
@@ -5691,8 +5691,8 @@
         </p:blipFill>
         <p:spPr>
           <a:xfrm>
-            <a:off x="3753325" y="2672948"/>
-            <a:ext cx="151135" cy="190410"/>
+            <a:off x="6179371" y="2660933"/>
+            <a:ext cx="382826" cy="467325"/>
           </a:xfrm>
           <a:prstGeom prst="rect">
             <a:avLst/>
@@ -5709,17 +5709,18 @@
           <p:cNvPicPr preferRelativeResize="0"/>
           <p:nvPr/>
         </p:nvPicPr>
-        <p:blipFill rotWithShape="1">
-          <a:blip r:embed="rId8">
+        <p:blipFill>
+          <a:blip r:embed="rId6">
             <a:alphaModFix/>
           </a:blip>
-          <a:srcRect b="-6145" l="0" r="-6145" t="0"/>
-          <a:stretch/>
+          <a:stretch>
+            <a:fillRect/>
+          </a:stretch>
         </p:blipFill>
         <p:spPr>
           <a:xfrm>
-            <a:off x="3797353" y="1229575"/>
-            <a:ext cx="1888488" cy="537392"/>
+            <a:off x="2902411" y="2705509"/>
+            <a:ext cx="300150" cy="378150"/>
           </a:xfrm>
           <a:prstGeom prst="rect">
             <a:avLst/>
@@ -5746,8 +5747,8 @@
         </p:blipFill>
         <p:spPr>
           <a:xfrm>
-            <a:off x="3715553" y="2323167"/>
-            <a:ext cx="111072" cy="190410"/>
+            <a:off x="2848847" y="1984275"/>
+            <a:ext cx="220588" cy="378150"/>
           </a:xfrm>
           <a:prstGeom prst="rect">
             <a:avLst/>
@@ -5787,230 +5788,22 @@
                             </p:stCondLst>
                             <p:childTnLst>
                               <p:par>
-                                <p:cTn fill="hold" nodeType="withEffect" presetClass="entr" presetID="23" presetSubtype="16">
+                                <p:cTn fill="hold" nodeType="withEffect" presetClass="emph" presetID="8" presetSubtype="0">
                                   <p:stCondLst>
                                     <p:cond delay="0"/>
                                   </p:stCondLst>
                                   <p:childTnLst>
-                                    <p:set>
+                                    <p:animRot by="-21600000">
                                       <p:cBhvr>
-                                        <p:cTn dur="1" fill="hold">
-                                          <p:stCondLst>
-                                            <p:cond delay="0"/>
-                                          </p:stCondLst>
-                                        </p:cTn>
+                                        <p:cTn dur="1000" fill="hold"/>
                                         <p:tgtEl>
-                                          <p:spTgt spid="56"/>
+                                          <p:spTgt spid="54"/>
                                         </p:tgtEl>
                                         <p:attrNameLst>
-                                          <p:attrName>style.visibility</p:attrName>
+                                          <p:attrName>r</p:attrName>
                                         </p:attrNameLst>
                                       </p:cBhvr>
-                                      <p:to>
-                                        <p:strVal val="visible"/>
-                                      </p:to>
-                                    </p:set>
-                                    <p:anim calcmode="lin" valueType="num">
-                                      <p:cBhvr additive="base">
-                                        <p:cTn dur="1000"/>
-                                        <p:tgtEl>
-                                          <p:spTgt spid="56"/>
-                                        </p:tgtEl>
-                                        <p:attrNameLst>
-                                          <p:attrName>ppt_w</p:attrName>
-                                        </p:attrNameLst>
-                                      </p:cBhvr>
-                                      <p:tavLst>
-                                        <p:tav fmla="" tm="0">
-                                          <p:val>
-                                            <p:strVal val="0"/>
-                                          </p:val>
-                                        </p:tav>
-                                        <p:tav fmla="" tm="100000">
-                                          <p:val>
-                                            <p:strVal val="#ppt_w"/>
-                                          </p:val>
-                                        </p:tav>
-                                      </p:tavLst>
-                                    </p:anim>
-                                    <p:anim calcmode="lin" valueType="num">
-                                      <p:cBhvr additive="base">
-                                        <p:cTn dur="1000"/>
-                                        <p:tgtEl>
-                                          <p:spTgt spid="56"/>
-                                        </p:tgtEl>
-                                        <p:attrNameLst>
-                                          <p:attrName>ppt_h</p:attrName>
-                                        </p:attrNameLst>
-                                      </p:cBhvr>
-                                      <p:tavLst>
-                                        <p:tav fmla="" tm="0">
-                                          <p:val>
-                                            <p:strVal val="0"/>
-                                          </p:val>
-                                        </p:tav>
-                                        <p:tav fmla="" tm="100000">
-                                          <p:val>
-                                            <p:strVal val="#ppt_h"/>
-                                          </p:val>
-                                        </p:tav>
-                                      </p:tavLst>
-                                    </p:anim>
-                                  </p:childTnLst>
-                                </p:cTn>
-                              </p:par>
-                              <p:par>
-                                <p:cTn fill="hold" nodeType="withEffect" presetClass="entr" presetID="23" presetSubtype="16">
-                                  <p:stCondLst>
-                                    <p:cond delay="0"/>
-                                  </p:stCondLst>
-                                  <p:childTnLst>
-                                    <p:set>
-                                      <p:cBhvr>
-                                        <p:cTn dur="1" fill="hold">
-                                          <p:stCondLst>
-                                            <p:cond delay="0"/>
-                                          </p:stCondLst>
-                                        </p:cTn>
-                                        <p:tgtEl>
-                                          <p:spTgt spid="55"/>
-                                        </p:tgtEl>
-                                        <p:attrNameLst>
-                                          <p:attrName>style.visibility</p:attrName>
-                                        </p:attrNameLst>
-                                      </p:cBhvr>
-                                      <p:to>
-                                        <p:strVal val="visible"/>
-                                      </p:to>
-                                    </p:set>
-                                    <p:anim calcmode="lin" valueType="num">
-                                      <p:cBhvr additive="base">
-                                        <p:cTn dur="1000"/>
-                                        <p:tgtEl>
-                                          <p:spTgt spid="55"/>
-                                        </p:tgtEl>
-                                        <p:attrNameLst>
-                                          <p:attrName>ppt_w</p:attrName>
-                                        </p:attrNameLst>
-                                      </p:cBhvr>
-                                      <p:tavLst>
-                                        <p:tav fmla="" tm="0">
-                                          <p:val>
-                                            <p:strVal val="0"/>
-                                          </p:val>
-                                        </p:tav>
-                                        <p:tav fmla="" tm="100000">
-                                          <p:val>
-                                            <p:strVal val="#ppt_w"/>
-                                          </p:val>
-                                        </p:tav>
-                                      </p:tavLst>
-                                    </p:anim>
-                                    <p:anim calcmode="lin" valueType="num">
-                                      <p:cBhvr additive="base">
-                                        <p:cTn dur="1000"/>
-                                        <p:tgtEl>
-                                          <p:spTgt spid="55"/>
-                                        </p:tgtEl>
-                                        <p:attrNameLst>
-                                          <p:attrName>ppt_h</p:attrName>
-                                        </p:attrNameLst>
-                                      </p:cBhvr>
-                                      <p:tavLst>
-                                        <p:tav fmla="" tm="0">
-                                          <p:val>
-                                            <p:strVal val="0"/>
-                                          </p:val>
-                                        </p:tav>
-                                        <p:tav fmla="" tm="100000">
-                                          <p:val>
-                                            <p:strVal val="#ppt_h"/>
-                                          </p:val>
-                                        </p:tav>
-                                      </p:tavLst>
-                                    </p:anim>
-                                  </p:childTnLst>
-                                </p:cTn>
-                              </p:par>
-                            </p:childTnLst>
-                          </p:cTn>
-                        </p:par>
-                        <p:par>
-                          <p:cTn fill="hold">
-                            <p:stCondLst>
-                              <p:cond delay="1000"/>
-                            </p:stCondLst>
-                            <p:childTnLst>
-                              <p:par>
-                                <p:cTn fill="hold" nodeType="afterEffect" presetClass="entr" presetID="23" presetSubtype="16">
-                                  <p:stCondLst>
-                                    <p:cond delay="0"/>
-                                  </p:stCondLst>
-                                  <p:childTnLst>
-                                    <p:set>
-                                      <p:cBhvr>
-                                        <p:cTn dur="1" fill="hold">
-                                          <p:stCondLst>
-                                            <p:cond delay="0"/>
-                                          </p:stCondLst>
-                                        </p:cTn>
-                                        <p:tgtEl>
-                                          <p:spTgt spid="58"/>
-                                        </p:tgtEl>
-                                        <p:attrNameLst>
-                                          <p:attrName>style.visibility</p:attrName>
-                                        </p:attrNameLst>
-                                      </p:cBhvr>
-                                      <p:to>
-                                        <p:strVal val="visible"/>
-                                      </p:to>
-                                    </p:set>
-                                    <p:anim calcmode="lin" valueType="num">
-                                      <p:cBhvr additive="base">
-                                        <p:cTn dur="1000"/>
-                                        <p:tgtEl>
-                                          <p:spTgt spid="58"/>
-                                        </p:tgtEl>
-                                        <p:attrNameLst>
-                                          <p:attrName>ppt_w</p:attrName>
-                                        </p:attrNameLst>
-                                      </p:cBhvr>
-                                      <p:tavLst>
-                                        <p:tav fmla="" tm="0">
-                                          <p:val>
-                                            <p:strVal val="0"/>
-                                          </p:val>
-                                        </p:tav>
-                                        <p:tav fmla="" tm="100000">
-                                          <p:val>
-                                            <p:strVal val="#ppt_w"/>
-                                          </p:val>
-                                        </p:tav>
-                                      </p:tavLst>
-                                    </p:anim>
-                                    <p:anim calcmode="lin" valueType="num">
-                                      <p:cBhvr additive="base">
-                                        <p:cTn dur="1000"/>
-                                        <p:tgtEl>
-                                          <p:spTgt spid="58"/>
-                                        </p:tgtEl>
-                                        <p:attrNameLst>
-                                          <p:attrName>ppt_h</p:attrName>
-                                        </p:attrNameLst>
-                                      </p:cBhvr>
-                                      <p:tavLst>
-                                        <p:tav fmla="" tm="0">
-                                          <p:val>
-                                            <p:strVal val="0"/>
-                                          </p:val>
-                                        </p:tav>
-                                        <p:tav fmla="" tm="100000">
-                                          <p:val>
-                                            <p:strVal val="#ppt_h"/>
-                                          </p:val>
-                                        </p:tav>
-                                      </p:tavLst>
-                                    </p:anim>
+                                    </p:animRot>
                                   </p:childTnLst>
                                 </p:cTn>
                               </p:par>
@@ -6087,17 +5880,8 @@
                                   </p:childTnLst>
                                 </p:cTn>
                               </p:par>
-                            </p:childTnLst>
-                          </p:cTn>
-                        </p:par>
-                        <p:par>
-                          <p:cTn fill="hold">
-                            <p:stCondLst>
-                              <p:cond delay="2000"/>
-                            </p:stCondLst>
-                            <p:childTnLst>
                               <p:par>
-                                <p:cTn fill="hold" nodeType="afterEffect" presetClass="entr" presetID="23" presetSubtype="16">
+                                <p:cTn fill="hold" nodeType="withEffect" presetClass="entr" presetID="23" presetSubtype="16">
                                   <p:stCondLst>
                                     <p:cond delay="0"/>
                                   </p:stCondLst>
@@ -6110,7 +5894,7 @@
                                           </p:stCondLst>
                                         </p:cTn>
                                         <p:tgtEl>
-                                          <p:spTgt spid="61"/>
+                                          <p:spTgt spid="56"/>
                                         </p:tgtEl>
                                         <p:attrNameLst>
                                           <p:attrName>style.visibility</p:attrName>
@@ -6124,7 +5908,7 @@
                                       <p:cBhvr additive="base">
                                         <p:cTn dur="1000"/>
                                         <p:tgtEl>
-                                          <p:spTgt spid="61"/>
+                                          <p:spTgt spid="56"/>
                                         </p:tgtEl>
                                         <p:attrNameLst>
                                           <p:attrName>ppt_w</p:attrName>
@@ -6147,7 +5931,89 @@
                                       <p:cBhvr additive="base">
                                         <p:cTn dur="1000"/>
                                         <p:tgtEl>
-                                          <p:spTgt spid="61"/>
+                                          <p:spTgt spid="56"/>
+                                        </p:tgtEl>
+                                        <p:attrNameLst>
+                                          <p:attrName>ppt_h</p:attrName>
+                                        </p:attrNameLst>
+                                      </p:cBhvr>
+                                      <p:tavLst>
+                                        <p:tav fmla="" tm="0">
+                                          <p:val>
+                                            <p:strVal val="0"/>
+                                          </p:val>
+                                        </p:tav>
+                                        <p:tav fmla="" tm="100000">
+                                          <p:val>
+                                            <p:strVal val="#ppt_h"/>
+                                          </p:val>
+                                        </p:tav>
+                                      </p:tavLst>
+                                    </p:anim>
+                                  </p:childTnLst>
+                                </p:cTn>
+                              </p:par>
+                            </p:childTnLst>
+                          </p:cTn>
+                        </p:par>
+                        <p:par>
+                          <p:cTn fill="hold">
+                            <p:stCondLst>
+                              <p:cond delay="1000"/>
+                            </p:stCondLst>
+                            <p:childTnLst>
+                              <p:par>
+                                <p:cTn fill="hold" nodeType="afterEffect" presetClass="entr" presetID="23" presetSubtype="16">
+                                  <p:stCondLst>
+                                    <p:cond delay="0"/>
+                                  </p:stCondLst>
+                                  <p:childTnLst>
+                                    <p:set>
+                                      <p:cBhvr>
+                                        <p:cTn dur="1" fill="hold">
+                                          <p:stCondLst>
+                                            <p:cond delay="0"/>
+                                          </p:stCondLst>
+                                        </p:cTn>
+                                        <p:tgtEl>
+                                          <p:spTgt spid="59"/>
+                                        </p:tgtEl>
+                                        <p:attrNameLst>
+                                          <p:attrName>style.visibility</p:attrName>
+                                        </p:attrNameLst>
+                                      </p:cBhvr>
+                                      <p:to>
+                                        <p:strVal val="visible"/>
+                                      </p:to>
+                                    </p:set>
+                                    <p:anim calcmode="lin" valueType="num">
+                                      <p:cBhvr additive="base">
+                                        <p:cTn dur="1000"/>
+                                        <p:tgtEl>
+                                          <p:spTgt spid="59"/>
+                                        </p:tgtEl>
+                                        <p:attrNameLst>
+                                          <p:attrName>ppt_w</p:attrName>
+                                        </p:attrNameLst>
+                                      </p:cBhvr>
+                                      <p:tavLst>
+                                        <p:tav fmla="" tm="0">
+                                          <p:val>
+                                            <p:strVal val="0"/>
+                                          </p:val>
+                                        </p:tav>
+                                        <p:tav fmla="" tm="100000">
+                                          <p:val>
+                                            <p:strVal val="#ppt_w"/>
+                                          </p:val>
+                                        </p:tav>
+                                      </p:tavLst>
+                                    </p:anim>
+                                    <p:anim calcmode="lin" valueType="num">
+                                      <p:cBhvr additive="base">
+                                        <p:cTn dur="1000"/>
+                                        <p:tgtEl>
+                                          <p:spTgt spid="59"/>
                                         </p:tgtEl>
                                         <p:attrNameLst>
                                           <p:attrName>ppt_h</p:attrName>
@@ -6171,6 +6037,88 @@
                               </p:par>
                               <p:par>
                                 <p:cTn fill="hold" nodeType="withEffect" presetClass="entr" presetID="23" presetSubtype="16">
+                                  <p:stCondLst>
+                                    <p:cond delay="0"/>
+                                  </p:stCondLst>
+                                  <p:childTnLst>
+                                    <p:set>
+                                      <p:cBhvr>
+                                        <p:cTn dur="1" fill="hold">
+                                          <p:stCondLst>
+                                            <p:cond delay="0"/>
+                                          </p:stCondLst>
+                                        </p:cTn>
+                                        <p:tgtEl>
+                                          <p:spTgt spid="58"/>
+                                        </p:tgtEl>
+                                        <p:attrNameLst>
+                                          <p:attrName>style.visibility</p:attrName>
+                                        </p:attrNameLst>
+                                      </p:cBhvr>
+                                      <p:to>
+                                        <p:strVal val="visible"/>
+                                      </p:to>
+                                    </p:set>
+                                    <p:anim calcmode="lin" valueType="num">
+                                      <p:cBhvr additive="base">
+                                        <p:cTn dur="1000"/>
+                                        <p:tgtEl>
+                                          <p:spTgt spid="58"/>
+                                        </p:tgtEl>
+                                        <p:attrNameLst>
+                                          <p:attrName>ppt_w</p:attrName>
+                                        </p:attrNameLst>
+                                      </p:cBhvr>
+                                      <p:tavLst>
+                                        <p:tav fmla="" tm="0">
+                                          <p:val>
+                                            <p:strVal val="0"/>
+                                          </p:val>
+                                        </p:tav>
+                                        <p:tav fmla="" tm="100000">
+                                          <p:val>
+                                            <p:strVal val="#ppt_w"/>
+                                          </p:val>
+                                        </p:tav>
+                                      </p:tavLst>
+                                    </p:anim>
+                                    <p:anim calcmode="lin" valueType="num">
+                                      <p:cBhvr additive="base">
+                                        <p:cTn dur="1000"/>
+                                        <p:tgtEl>
+                                          <p:spTgt spid="58"/>
+                                        </p:tgtEl>
+                                        <p:attrNameLst>
+                                          <p:attrName>ppt_h</p:attrName>
+                                        </p:attrNameLst>
+                                      </p:cBhvr>
+                                      <p:tavLst>
+                                        <p:tav fmla="" tm="0">
+                                          <p:val>
+                                            <p:strVal val="0"/>
+                                          </p:val>
+                                        </p:tav>
+                                        <p:tav fmla="" tm="100000">
+                                          <p:val>
+                                            <p:strVal val="#ppt_h"/>
+                                          </p:val>
+                                        </p:tav>
+                                      </p:tavLst>
+                                    </p:anim>
+                                  </p:childTnLst>
+                                </p:cTn>
+                              </p:par>
+                            </p:childTnLst>
+                          </p:cTn>
+                        </p:par>
+                        <p:par>
+                          <p:cTn fill="hold">
+                            <p:stCondLst>
+                              <p:cond delay="2000"/>
+                            </p:stCondLst>
+                            <p:childTnLst>
+                              <p:par>
+                                <p:cTn fill="hold" nodeType="afterEffect" presetClass="entr" presetID="23" presetSubtype="16">
                                   <p:stCondLst>
                                     <p:cond delay="0"/>
                                   </p:stCondLst>
@@ -6242,6 +6190,79 @@
                                   </p:childTnLst>
                                 </p:cTn>
                               </p:par>
+                              <p:par>
+                                <p:cTn fill="hold" nodeType="withEffect" presetClass="entr" presetID="23" presetSubtype="16">
+                                  <p:stCondLst>
+                                    <p:cond delay="0"/>
+                                  </p:stCondLst>
+                                  <p:childTnLst>
+                                    <p:set>
+                                      <p:cBhvr>
+                                        <p:cTn dur="1" fill="hold">
+                                          <p:stCondLst>
+                                            <p:cond delay="0"/>
+                                          </p:stCondLst>
+                                        </p:cTn>
+                                        <p:tgtEl>
+                                          <p:spTgt spid="63"/>
+                                        </p:tgtEl>
+                                        <p:attrNameLst>
+                                          <p:attrName>style.visibility</p:attrName>
+                                        </p:attrNameLst>
+                                      </p:cBhvr>
+                                      <p:to>
+                                        <p:strVal val="visible"/>
+                                      </p:to>
+                                    </p:set>
+                                    <p:anim calcmode="lin" valueType="num">
+                                      <p:cBhvr additive="base">
+                                        <p:cTn dur="1000"/>
+                                        <p:tgtEl>
+                                          <p:spTgt spid="63"/>
+                                        </p:tgtEl>
+                                        <p:attrNameLst>
+                                          <p:attrName>ppt_w</p:attrName>
+                                        </p:attrNameLst>
+                                      </p:cBhvr>
+                                      <p:tavLst>
+                                        <p:tav fmla="" tm="0">
+                                          <p:val>
+                                            <p:strVal val="0"/>
+                                          </p:val>
+                                        </p:tav>
+                                        <p:tav fmla="" tm="100000">
+                                          <p:val>
+                                            <p:strVal val="#ppt_w"/>
+                                          </p:val>
+                                        </p:tav>
+                                      </p:tavLst>
+                                    </p:anim>
+                                    <p:anim calcmode="lin" valueType="num">
+                                      <p:cBhvr additive="base">
+                                        <p:cTn dur="1000"/>
+                                        <p:tgtEl>
+                                          <p:spTgt spid="63"/>
+                                        </p:tgtEl>
+                                        <p:attrNameLst>
+                                          <p:attrName>ppt_h</p:attrName>
+                                        </p:attrNameLst>
+                                      </p:cBhvr>
+                                      <p:tavLst>
+                                        <p:tav fmla="" tm="0">
+                                          <p:val>
+                                            <p:strVal val="0"/>
+                                          </p:val>
+                                        </p:tav>
+                                        <p:tav fmla="" tm="100000">
+                                          <p:val>
+                                            <p:strVal val="#ppt_h"/>
+                                          </p:val>
+                                        </p:tav>
+                                      </p:tavLst>
+                                    </p:anim>
+                                  </p:childTnLst>
+                                </p:cTn>
+                              </p:par>
                             </p:childTnLst>
                           </p:cTn>
                         </p:par>
@@ -6261,7 +6282,7 @@
                                       <p:cBhvr additive="base">
                                         <p:cTn dur="1000"/>
                                         <p:tgtEl>
-                                          <p:spTgt spid="62"/>
+                                          <p:spTgt spid="63"/>
                                         </p:tgtEl>
                                         <p:attrNameLst>
                                           <p:attrName>ppt_w</p:attrName>
@@ -6284,7 +6305,7 @@
                                       <p:cBhvr additive="base">
                                         <p:cTn dur="1000"/>
                                         <p:tgtEl>
-                                          <p:spTgt spid="62"/>
+                                          <p:spTgt spid="63"/>
                                         </p:tgtEl>
                                         <p:attrNameLst>
                                           <p:attrName>ppt_h</p:attrName>
@@ -6311,80 +6332,7 @@
                                           </p:stCondLst>
                                         </p:cTn>
                                         <p:tgtEl>
-                                          <p:spTgt spid="62"/>
-                                        </p:tgtEl>
-                                        <p:attrNameLst>
-                                          <p:attrName>style.visibility</p:attrName>
-                                        </p:attrNameLst>
-                                      </p:cBhvr>
-                                      <p:to>
-                                        <p:strVal val="hidden"/>
-                                      </p:to>
-                                    </p:set>
-                                  </p:childTnLst>
-                                </p:cTn>
-                              </p:par>
-                              <p:par>
-                                <p:cTn fill="hold" nodeType="withEffect" presetClass="exit" presetID="23" presetSubtype="32">
-                                  <p:stCondLst>
-                                    <p:cond delay="0"/>
-                                  </p:stCondLst>
-                                  <p:childTnLst>
-                                    <p:anim calcmode="lin" valueType="num">
-                                      <p:cBhvr additive="base">
-                                        <p:cTn dur="1000"/>
-                                        <p:tgtEl>
-                                          <p:spTgt spid="55"/>
-                                        </p:tgtEl>
-                                        <p:attrNameLst>
-                                          <p:attrName>ppt_w</p:attrName>
-                                        </p:attrNameLst>
-                                      </p:cBhvr>
-                                      <p:tavLst>
-                                        <p:tav fmla="" tm="0">
-                                          <p:val>
-                                            <p:strVal val="#ppt_w"/>
-                                          </p:val>
-                                        </p:tav>
-                                        <p:tav fmla="" tm="100000">
-                                          <p:val>
-                                            <p:strVal val="0"/>
-                                          </p:val>
-                                        </p:tav>
-                                      </p:tavLst>
-                                    </p:anim>
-                                    <p:anim calcmode="lin" valueType="num">
-                                      <p:cBhvr additive="base">
-                                        <p:cTn dur="1000"/>
-                                        <p:tgtEl>
-                                          <p:spTgt spid="55"/>
-                                        </p:tgtEl>
-                                        <p:attrNameLst>
-                                          <p:attrName>ppt_h</p:attrName>
-                                        </p:attrNameLst>
-                                      </p:cBhvr>
-                                      <p:tavLst>
-                                        <p:tav fmla="" tm="0">
-                                          <p:val>
-                                            <p:strVal val="#ppt_h"/>
-                                          </p:val>
-                                        </p:tav>
-                                        <p:tav fmla="" tm="100000">
-                                          <p:val>
-                                            <p:strVal val="0"/>
-                                          </p:val>
-                                        </p:tav>
-                                      </p:tavLst>
-                                    </p:anim>
-                                    <p:set>
-                                      <p:cBhvr>
-                                        <p:cTn dur="1" fill="hold">
-                                          <p:stCondLst>
-                                            <p:cond delay="1000"/>
-                                          </p:stCondLst>
-                                        </p:cTn>
-                                        <p:tgtEl>
-                                          <p:spTgt spid="55"/>
+                                          <p:spTgt spid="63"/>
                                         </p:tgtEl>
                                         <p:attrNameLst>
                                           <p:attrName>style.visibility</p:attrName>
@@ -6553,79 +6501,6 @@
                                       <p:cBhvr additive="base">
                                         <p:cTn dur="1000"/>
                                         <p:tgtEl>
-                                          <p:spTgt spid="61"/>
-                                        </p:tgtEl>
-                                        <p:attrNameLst>
-                                          <p:attrName>ppt_w</p:attrName>
-                                        </p:attrNameLst>
-                                      </p:cBhvr>
-                                      <p:tavLst>
-                                        <p:tav fmla="" tm="0">
-                                          <p:val>
-                                            <p:strVal val="#ppt_w"/>
-                                          </p:val>
-                                        </p:tav>
-                                        <p:tav fmla="" tm="100000">
-                                          <p:val>
-                                            <p:strVal val="0"/>
-                                          </p:val>
-                                        </p:tav>
-                                      </p:tavLst>
-                                    </p:anim>
-                                    <p:anim calcmode="lin" valueType="num">
-                                      <p:cBhvr additive="base">
-                                        <p:cTn dur="1000"/>
-                                        <p:tgtEl>
-                                          <p:spTgt spid="61"/>
-                                        </p:tgtEl>
-                                        <p:attrNameLst>
-                                          <p:attrName>ppt_h</p:attrName>
-                                        </p:attrNameLst>
-                                      </p:cBhvr>
-                                      <p:tavLst>
-                                        <p:tav fmla="" tm="0">
-                                          <p:val>
-                                            <p:strVal val="#ppt_h"/>
-                                          </p:val>
-                                        </p:tav>
-                                        <p:tav fmla="" tm="100000">
-                                          <p:val>
-                                            <p:strVal val="0"/>
-                                          </p:val>
-                                        </p:tav>
-                                      </p:tavLst>
-                                    </p:anim>
-                                    <p:set>
-                                      <p:cBhvr>
-                                        <p:cTn dur="1" fill="hold">
-                                          <p:stCondLst>
-                                            <p:cond delay="1000"/>
-                                          </p:stCondLst>
-                                        </p:cTn>
-                                        <p:tgtEl>
-                                          <p:spTgt spid="61"/>
-                                        </p:tgtEl>
-                                        <p:attrNameLst>
-                                          <p:attrName>style.visibility</p:attrName>
-                                        </p:attrNameLst>
-                                      </p:cBhvr>
-                                      <p:to>
-                                        <p:strVal val="hidden"/>
-                                      </p:to>
-                                    </p:set>
-                                  </p:childTnLst>
-                                </p:cTn>
-                              </p:par>
-                              <p:par>
-                                <p:cTn fill="hold" nodeType="withEffect" presetClass="exit" presetID="23" presetSubtype="32">
-                                  <p:stCondLst>
-                                    <p:cond delay="0"/>
-                                  </p:stCondLst>
-                                  <p:childTnLst>
-                                    <p:anim calcmode="lin" valueType="num">
-                                      <p:cBhvr additive="base">
-                                        <p:cTn dur="1000"/>
-                                        <p:tgtEl>
                                           <p:spTgt spid="58"/>
                                         </p:tgtEl>
                                         <p:attrNameLst>
@@ -6689,6 +6564,152 @@
                                   </p:childTnLst>
                                 </p:cTn>
                               </p:par>
+                              <p:par>
+                                <p:cTn fill="hold" nodeType="withEffect" presetClass="exit" presetID="23" presetSubtype="32">
+                                  <p:stCondLst>
+                                    <p:cond delay="0"/>
+                                  </p:stCondLst>
+                                  <p:childTnLst>
+                                    <p:anim calcmode="lin" valueType="num">
+                                      <p:cBhvr additive="base">
+                                        <p:cTn dur="1000"/>
+                                        <p:tgtEl>
+                                          <p:spTgt spid="62"/>
+                                        </p:tgtEl>
+                                        <p:attrNameLst>
+                                          <p:attrName>ppt_w</p:attrName>
+                                        </p:attrNameLst>
+                                      </p:cBhvr>
+                                      <p:tavLst>
+                                        <p:tav fmla="" tm="0">
+                                          <p:val>
+                                            <p:strVal val="#ppt_w"/>
+                                          </p:val>
+                                        </p:tav>
+                                        <p:tav fmla="" tm="100000">
+                                          <p:val>
+                                            <p:strVal val="0"/>
+                                          </p:val>
+                                        </p:tav>
+                                      </p:tavLst>
+                                    </p:anim>
+                                    <p:anim calcmode="lin" valueType="num">
+                                      <p:cBhvr additive="base">
+                                        <p:cTn dur="1000"/>
+                                        <p:tgtEl>
+                                          <p:spTgt spid="62"/>
+                                        </p:tgtEl>
+                                        <p:attrNameLst>
+                                          <p:attrName>ppt_h</p:attrName>
+                                        </p:attrNameLst>
+                                      </p:cBhvr>
+                                      <p:tavLst>
+                                        <p:tav fmla="" tm="0">
+                                          <p:val>
+                                            <p:strVal val="#ppt_h"/>
+                                          </p:val>
+                                        </p:tav>
+                                        <p:tav fmla="" tm="100000">
+                                          <p:val>
+                                            <p:strVal val="0"/>
+                                          </p:val>
+                                        </p:tav>
+                                      </p:tavLst>
+                                    </p:anim>
+                                    <p:set>
+                                      <p:cBhvr>
+                                        <p:cTn dur="1" fill="hold">
+                                          <p:stCondLst>
+                                            <p:cond delay="1000"/>
+                                          </p:stCondLst>
+                                        </p:cTn>
+                                        <p:tgtEl>
+                                          <p:spTgt spid="62"/>
+                                        </p:tgtEl>
+                                        <p:attrNameLst>
+                                          <p:attrName>style.visibility</p:attrName>
+                                        </p:attrNameLst>
+                                      </p:cBhvr>
+                                      <p:to>
+                                        <p:strVal val="hidden"/>
+                                      </p:to>
+                                    </p:set>
+                                  </p:childTnLst>
+                                </p:cTn>
+                              </p:par>
+                              <p:par>
+                                <p:cTn fill="hold" nodeType="withEffect" presetClass="exit" presetID="23" presetSubtype="32">
+                                  <p:stCondLst>
+                                    <p:cond delay="0"/>
+                                  </p:stCondLst>
+                                  <p:childTnLst>
+                                    <p:anim calcmode="lin" valueType="num">
+                                      <p:cBhvr additive="base">
+                                        <p:cTn dur="1000"/>
+                                        <p:tgtEl>
+                                          <p:spTgt spid="59"/>
+                                        </p:tgtEl>
+                                        <p:attrNameLst>
+                                          <p:attrName>ppt_w</p:attrName>
+                                        </p:attrNameLst>
+                                      </p:cBhvr>
+                                      <p:tavLst>
+                                        <p:tav fmla="" tm="0">
+                                          <p:val>
+                                            <p:strVal val="#ppt_w"/>
+                                          </p:val>
+                                        </p:tav>
+                                        <p:tav fmla="" tm="100000">
+                                          <p:val>
+                                            <p:strVal val="0"/>
+                                          </p:val>
+                                        </p:tav>
+                                      </p:tavLst>
+                                    </p:anim>
+                                    <p:anim calcmode="lin" valueType="num">
+                                      <p:cBhvr additive="base">
+                                        <p:cTn dur="1000"/>
+                                        <p:tgtEl>
+                                          <p:spTgt spid="59"/>
+                                        </p:tgtEl>
+                                        <p:attrNameLst>
+                                          <p:attrName>ppt_h</p:attrName>
+                                        </p:attrNameLst>
+                                      </p:cBhvr>
+                                      <p:tavLst>
+                                        <p:tav fmla="" tm="0">
+                                          <p:val>
+                                            <p:strVal val="#ppt_h"/>
+                                          </p:val>
+                                        </p:tav>
+                                        <p:tav fmla="" tm="100000">
+                                          <p:val>
+                                            <p:strVal val="0"/>
+                                          </p:val>
+                                        </p:tav>
+                                      </p:tavLst>
+                                    </p:anim>
+                                    <p:set>
+                                      <p:cBhvr>
+                                        <p:cTn dur="1" fill="hold">
+                                          <p:stCondLst>
+                                            <p:cond delay="1000"/>
+                                          </p:stCondLst>
+                                        </p:cTn>
+                                        <p:tgtEl>
+                                          <p:spTgt spid="59"/>
+                                        </p:tgtEl>
+                                        <p:attrNameLst>
+                                          <p:attrName>style.visibility</p:attrName>
+                                        </p:attrNameLst>
+                                      </p:cBhvr>
+                                      <p:to>
+                                        <p:strVal val="hidden"/>
+                                      </p:to>
+                                    </p:set>
+                                  </p:childTnLst>
+                                </p:cTn>
+                              </p:par>
                             </p:childTnLst>
                           </p:cTn>
                         </p:par>
@@ -6700,6 +6721,79 @@
                             <p:childTnLst>
                               <p:par>
                                 <p:cTn fill="hold" nodeType="afterEffect" presetClass="entr" presetID="23" presetSubtype="16">
+                                  <p:stCondLst>
+                                    <p:cond delay="0"/>
+                                  </p:stCondLst>
+                                  <p:childTnLst>
+                                    <p:set>
+                                      <p:cBhvr>
+                                        <p:cTn dur="1" fill="hold">
+                                          <p:stCondLst>
+                                            <p:cond delay="0"/>
+                                          </p:stCondLst>
+                                        </p:cTn>
+                                        <p:tgtEl>
+                                          <p:spTgt spid="61"/>
+                                        </p:tgtEl>
+                                        <p:attrNameLst>
+                                          <p:attrName>style.visibility</p:attrName>
+                                        </p:attrNameLst>
+                                      </p:cBhvr>
+                                      <p:to>
+                                        <p:strVal val="visible"/>
+                                      </p:to>
+                                    </p:set>
+                                    <p:anim calcmode="lin" valueType="num">
+                                      <p:cBhvr additive="base">
+                                        <p:cTn dur="2000"/>
+                                        <p:tgtEl>
+                                          <p:spTgt spid="61"/>
+                                        </p:tgtEl>
+                                        <p:attrNameLst>
+                                          <p:attrName>ppt_w</p:attrName>
+                                        </p:attrNameLst>
+                                      </p:cBhvr>
+                                      <p:tavLst>
+                                        <p:tav fmla="" tm="0">
+                                          <p:val>
+                                            <p:strVal val="0"/>
+                                          </p:val>
+                                        </p:tav>
+                                        <p:tav fmla="" tm="100000">
+                                          <p:val>
+                                            <p:strVal val="#ppt_w"/>
+                                          </p:val>
+                                        </p:tav>
+                                      </p:tavLst>
+                                    </p:anim>
+                                    <p:anim calcmode="lin" valueType="num">
+                                      <p:cBhvr additive="base">
+                                        <p:cTn dur="2000"/>
+                                        <p:tgtEl>
+                                          <p:spTgt spid="61"/>
+                                        </p:tgtEl>
+                                        <p:attrNameLst>
+                                          <p:attrName>ppt_h</p:attrName>
+                                        </p:attrNameLst>
+                                      </p:cBhvr>
+                                      <p:tavLst>
+                                        <p:tav fmla="" tm="0">
+                                          <p:val>
+                                            <p:strVal val="0"/>
+                                          </p:val>
+                                        </p:tav>
+                                        <p:tav fmla="" tm="100000">
+                                          <p:val>
+                                            <p:strVal val="#ppt_h"/>
+                                          </p:val>
+                                        </p:tav>
+                                      </p:tavLst>
+                                    </p:anim>
+                                  </p:childTnLst>
+                                </p:cTn>
+                              </p:par>
+                              <p:par>
+                                <p:cTn fill="hold" nodeType="withEffect" presetClass="entr" presetID="23" presetSubtype="16">
                                   <p:stCondLst>
                                     <p:cond delay="0"/>
                                   </p:stCondLst>
@@ -6771,79 +6865,6 @@
                                   </p:childTnLst>
                                 </p:cTn>
                               </p:par>
-                              <p:par>
-                                <p:cTn fill="hold" nodeType="withEffect" presetClass="entr" presetID="23" presetSubtype="16">
-                                  <p:stCondLst>
-                                    <p:cond delay="0"/>
-                                  </p:stCondLst>
-                                  <p:childTnLst>
-                                    <p:set>
-                                      <p:cBhvr>
-                                        <p:cTn dur="1" fill="hold">
-                                          <p:stCondLst>
-                                            <p:cond delay="0"/>
-                                          </p:stCondLst>
-                                        </p:cTn>
-                                        <p:tgtEl>
-                                          <p:spTgt spid="59"/>
-                                        </p:tgtEl>
-                                        <p:attrNameLst>
-                                          <p:attrName>style.visibility</p:attrName>
-                                        </p:attrNameLst>
-                                      </p:cBhvr>
-                                      <p:to>
-                                        <p:strVal val="visible"/>
-                                      </p:to>
-                                    </p:set>
-                                    <p:anim calcmode="lin" valueType="num">
-                                      <p:cBhvr additive="base">
-                                        <p:cTn dur="2000"/>
-                                        <p:tgtEl>
-                                          <p:spTgt spid="59"/>
-                                        </p:tgtEl>
-                                        <p:attrNameLst>
-                                          <p:attrName>ppt_w</p:attrName>
-                                        </p:attrNameLst>
-                                      </p:cBhvr>
-                                      <p:tavLst>
-                                        <p:tav fmla="" tm="0">
-                                          <p:val>
-                                            <p:strVal val="0"/>
-                                          </p:val>
-                                        </p:tav>
-                                        <p:tav fmla="" tm="100000">
-                                          <p:val>
-                                            <p:strVal val="#ppt_w"/>
-                                          </p:val>
-                                        </p:tav>
-                                      </p:tavLst>
-                                    </p:anim>
-                                    <p:anim calcmode="lin" valueType="num">
-                                      <p:cBhvr additive="base">
-                                        <p:cTn dur="2000"/>
-                                        <p:tgtEl>
-                                          <p:spTgt spid="59"/>
-                                        </p:tgtEl>
-                                        <p:attrNameLst>
-                                          <p:attrName>ppt_h</p:attrName>
-                                        </p:attrNameLst>
-                                      </p:cBhvr>
-                                      <p:tavLst>
-                                        <p:tav fmla="" tm="0">
-                                          <p:val>
-                                            <p:strVal val="0"/>
-                                          </p:val>
-                                        </p:tav>
-                                        <p:tav fmla="" tm="100000">
-                                          <p:val>
-                                            <p:strVal val="#ppt_h"/>
-                                          </p:val>
-                                        </p:tav>
-                                      </p:tavLst>
-                                    </p:anim>
-                                  </p:childTnLst>
-                                </p:cTn>
-                              </p:par>
                             </p:childTnLst>
                           </p:cTn>
                         </p:par>
@@ -6855,6 +6876,79 @@
                             <p:childTnLst>
                               <p:par>
                                 <p:cTn fill="hold" nodeType="afterEffect" presetClass="exit" presetID="23" presetSubtype="32">
+                                  <p:stCondLst>
+                                    <p:cond delay="0"/>
+                                  </p:stCondLst>
+                                  <p:childTnLst>
+                                    <p:anim calcmode="lin" valueType="num">
+                                      <p:cBhvr additive="base">
+                                        <p:cTn dur="1800"/>
+                                        <p:tgtEl>
+                                          <p:spTgt spid="61"/>
+                                        </p:tgtEl>
+                                        <p:attrNameLst>
+                                          <p:attrName>ppt_w</p:attrName>
+                                        </p:attrNameLst>
+                                      </p:cBhvr>
+                                      <p:tavLst>
+                                        <p:tav fmla="" tm="0">
+                                          <p:val>
+                                            <p:strVal val="#ppt_w"/>
+                                          </p:val>
+                                        </p:tav>
+                                        <p:tav fmla="" tm="100000">
+                                          <p:val>
+                                            <p:strVal val="0"/>
+                                          </p:val>
+                                        </p:tav>
+                                      </p:tavLst>
+                                    </p:anim>
+                                    <p:anim calcmode="lin" valueType="num">
+                                      <p:cBhvr additive="base">
+                                        <p:cTn dur="1800"/>
+                                        <p:tgtEl>
+                                          <p:spTgt spid="61"/>
+                                        </p:tgtEl>
+                                        <p:attrNameLst>
+                                          <p:attrName>ppt_h</p:attrName>
+                                        </p:attrNameLst>
+                                      </p:cBhvr>
+                                      <p:tavLst>
+                                        <p:tav fmla="" tm="0">
+                                          <p:val>
+                                            <p:strVal val="#ppt_h"/>
+                                          </p:val>
+                                        </p:tav>
+                                        <p:tav fmla="" tm="100000">
+                                          <p:val>
+                                            <p:strVal val="0"/>
+                                          </p:val>
+                                        </p:tav>
+                                      </p:tavLst>
+                                    </p:anim>
+                                    <p:set>
+                                      <p:cBhvr>
+                                        <p:cTn dur="1" fill="hold">
+                                          <p:stCondLst>
+                                            <p:cond delay="1800"/>
+                                          </p:stCondLst>
+                                        </p:cTn>
+                                        <p:tgtEl>
+                                          <p:spTgt spid="61"/>
+                                        </p:tgtEl>
+                                        <p:attrNameLst>
+                                          <p:attrName>style.visibility</p:attrName>
+                                        </p:attrNameLst>
+                                      </p:cBhvr>
+                                      <p:to>
+                                        <p:strVal val="hidden"/>
+                                      </p:to>
+                                    </p:set>
+                                  </p:childTnLst>
+                                </p:cTn>
+                              </p:par>
+                              <p:par>
+                                <p:cTn fill="hold" nodeType="withEffect" presetClass="exit" presetID="23" presetSubtype="32">
                                   <p:stCondLst>
                                     <p:cond delay="0"/>
                                   </p:stCondLst>
@@ -6926,79 +7020,6 @@
                                   </p:childTnLst>
                                 </p:cTn>
                               </p:par>
-                              <p:par>
-                                <p:cTn fill="hold" nodeType="withEffect" presetClass="exit" presetID="23" presetSubtype="32">
-                                  <p:stCondLst>
-                                    <p:cond delay="0"/>
-                                  </p:stCondLst>
-                                  <p:childTnLst>
-                                    <p:anim calcmode="lin" valueType="num">
-                                      <p:cBhvr additive="base">
-                                        <p:cTn dur="1800"/>
-                                        <p:tgtEl>
-                                          <p:spTgt spid="59"/>
-                                        </p:tgtEl>
-                                        <p:attrNameLst>
-                                          <p:attrName>ppt_w</p:attrName>
-                                        </p:attrNameLst>
-                                      </p:cBhvr>
-                                      <p:tavLst>
-                                        <p:tav fmla="" tm="0">
-                                          <p:val>
-                                            <p:strVal val="#ppt_w"/>
-                                          </p:val>
-                                        </p:tav>
-                                        <p:tav fmla="" tm="100000">
-                                          <p:val>
-                                            <p:strVal val="0"/>
-                                          </p:val>
-                                        </p:tav>
-                                      </p:tavLst>
-                                    </p:anim>
-                                    <p:anim calcmode="lin" valueType="num">
-                                      <p:cBhvr additive="base">
-                                        <p:cTn dur="1800"/>
-                                        <p:tgtEl>
-                                          <p:spTgt spid="59"/>
-                                        </p:tgtEl>
-                                        <p:attrNameLst>
-                                          <p:attrName>ppt_h</p:attrName>
-                                        </p:attrNameLst>
-                                      </p:cBhvr>
-                                      <p:tavLst>
-                                        <p:tav fmla="" tm="0">
-                                          <p:val>
-                                            <p:strVal val="#ppt_h"/>
-                                          </p:val>
-                                        </p:tav>
-                                        <p:tav fmla="" tm="100000">
-                                          <p:val>
-                                            <p:strVal val="0"/>
-                                          </p:val>
-                                        </p:tav>
-                                      </p:tavLst>
-                                    </p:anim>
-                                    <p:set>
-                                      <p:cBhvr>
-                                        <p:cTn dur="1" fill="hold">
-                                          <p:stCondLst>
-                                            <p:cond delay="1800"/>
-                                          </p:stCondLst>
-                                        </p:cTn>
-                                        <p:tgtEl>
-                                          <p:spTgt spid="59"/>
-                                        </p:tgtEl>
-                                        <p:attrNameLst>
-                                          <p:attrName>style.visibility</p:attrName>
-                                        </p:attrNameLst>
-                                      </p:cBhvr>
-                                      <p:to>
-                                        <p:strVal val="hidden"/>
-                                      </p:to>
-                                    </p:set>
-                                  </p:childTnLst>
-                                </p:cTn>
-                              </p:par>
                             </p:childTnLst>
                           </p:cTn>
                         </p:par>
@@ -7031,6 +7052,285 @@
 </file>
 
 <file path=ppt/theme/theme1.xml><?xml version="1.0" encoding="utf-8"?>
+<a:theme xmlns:a="http://schemas.openxmlformats.org/drawingml/2006/main" xmlns:r="http://schemas.openxmlformats.org/officeDocument/2006/relationships">
+  <a:themeElements>
+    <a:clrScheme name="Default">
+      <a:dk1>
+        <a:srgbClr val="000000"/>
+      </a:dk1>
+      <a:lt1>
+        <a:srgbClr val="FFFFFF"/>
+      </a:lt1>
+      <a:dk2>
+        <a:srgbClr val="158158"/>
+      </a:dk2>
+      <a:lt2>
+        <a:srgbClr val="F3F3F3"/>
+      </a:lt2>
+      <a:accent1>
+        <a:srgbClr val="058DC7"/>
+      </a:accent1>
+      <a:accent2>
+        <a:srgbClr val="50B432"/>
+      </a:accent2>
+      <a:accent3>
+        <a:srgbClr val="ED561B"/>
+      </a:accent3>
+      <a:accent4>
+        <a:srgbClr val="EDEF00"/>
+      </a:accent4>
+      <a:accent5>
+        <a:srgbClr val="24CBE5"/>
+      </a:accent5>
+      <a:accent6>
+        <a:srgbClr val="64E572"/>
+      </a:accent6>
+      <a:hlink>
+        <a:srgbClr val="2200CC"/>
+      </a:hlink>
+      <a:folHlink>
+        <a:srgbClr val="551A8B"/>
+      </a:folHlink>
+    </a:clrScheme>
+    <a:fontScheme name="Office">
+      <a:majorFont>
+        <a:latin typeface="Arial"/>
+        <a:ea typeface=""/>
+        <a:cs typeface=""/>
+        <a:font script="Jpan" typeface="ＭＳ Ｐゴシック"/>
+        <a:font script="Hang" typeface="맑은 고딕"/>
+        <a:font script="Hans" typeface="宋体"/>
+        <a:font script="Hant" typeface="新細明體"/>
+        <a:font script="Arab" typeface="Times New Roman"/>
+        <a:font script="Hebr" typeface="Times New Roman"/>
+        <a:font script="Thai" typeface="Angsana New"/>
+        <a:font script="Ethi" typeface="Nyala"/>
+        <a:font script="Beng" typeface="Vrinda"/>
+        <a:font script="Gujr" typeface="Shruti"/>
+        <a:font script="Khmr" typeface="MoolBoran"/>
+        <a:font script="Knda" typeface="Tunga"/>
+        <a:font script="Guru" typeface="Raavi"/>
+        <a:font script="Cans" typeface="Euphemia"/>
+        <a:font script="Cher" typeface="Plantagenet Cherokee"/>
+        <a:font script="Yiii" typeface="Microsoft Yi Baiti"/>
+        <a:font script="Tibt" typeface="Microsoft Himalaya"/>
+        <a:font script="Thaa" typeface="MV Boli"/>
+        <a:font script="Deva" typeface="Mangal"/>
+        <a:font script="Telu" typeface="Gautami"/>
+        <a:font script="Taml" typeface="Latha"/>
+        <a:font script="Syrc" typeface="Estrangelo Edessa"/>
+        <a:font script="Orya" typeface="Kalinga"/>
+        <a:font script="Mlym" typeface="Kartika"/>
+        <a:font script="Laoo" typeface="DokChampa"/>
+        <a:font script="Sinh" typeface="Iskoola Pota"/>
+        <a:font script="Mong" typeface="Mongolian Baiti"/>
+        <a:font script="Viet" typeface="Times New Roman"/>
+        <a:font script="Uigh" typeface="Microsoft Uighur"/>
+        <a:font script="Geor" typeface="Sylfaen"/>
+      </a:majorFont>
+      <a:minorFont>
+        <a:latin typeface="Arial"/>
+        <a:ea typeface=""/>
+        <a:cs typeface=""/>
+        <a:font script="Jpan" typeface="ＭＳ Ｐゴシック"/>
+        <a:font script="Hang" typeface="맑은 고딕"/>
+        <a:font script="Hans" typeface="宋体"/>
+        <a:font script="Hant" typeface="新細明體"/>
+        <a:font script="Arab" typeface="Arial"/>
+        <a:font script="Hebr" typeface="Arial"/>
+        <a:font script="Thai" typeface="Cordia New"/>
+        <a:font script="Ethi" typeface="Nyala"/>
+        <a:font script="Beng" typeface="Vrinda"/>
+        <a:font script="Gujr" typeface="Shruti"/>
+        <a:font script="Khmr" typeface="DaunPenh"/>
+        <a:font script="Knda" typeface="Tunga"/>
+        <a:font script="Guru" typeface="Raavi"/>
+        <a:font script="Cans" typeface="Euphemia"/>
+        <a:font script="Cher" typeface="Plantagenet Cherokee"/>
+        <a:font script="Yiii" typeface="Microsoft Yi Baiti"/>
+        <a:font script="Tibt" typeface="Microsoft Himalaya"/>
+        <a:font script="Thaa" typeface="MV Boli"/>
+        <a:font script="Deva" typeface="Mangal"/>
+        <a:font script="Telu" typeface="Gautami"/>
+        <a:font script="Taml" typeface="Latha"/>
+        <a:font script="Syrc" typeface="Estrangelo Edessa"/>
+        <a:font script="Orya" typeface="Kalinga"/>
+        <a:font script="Mlym" typeface="Kartika"/>
+        <a:font script="Laoo" typeface="DokChampa"/>
+        <a:font script="Sinh" typeface="Iskoola Pota"/>
+        <a:font script="Mong" typeface="Mongolian Baiti"/>
+        <a:font script="Viet" typeface="Arial"/>
+        <a:font script="Uigh" typeface="Microsoft Uighur"/>
+        <a:font script="Geor" typeface="Sylfaen"/>
+      </a:minorFont>
+    </a:fontScheme>
+    <a:fmtScheme name="Office">
+      <a:fillStyleLst>
+        <a:solidFill>
+          <a:schemeClr val="phClr"/>
+        </a:solidFill>
+        <a:gradFill rotWithShape="1">
+          <a:gsLst>
+            <a:gs pos="0">
+              <a:schemeClr val="phClr">
+                <a:tint val="50000"/>
+                <a:satMod val="300000"/>
+              </a:schemeClr>
+            </a:gs>
+            <a:gs pos="35000">
+              <a:schemeClr val="phClr">
+                <a:tint val="37000"/>
+                <a:satMod val="300000"/>
+              </a:schemeClr>
+            </a:gs>
+            <a:gs pos="100000">
+              <a:schemeClr val="phClr">
+                <a:tint val="15000"/>
+                <a:satMod val="350000"/>
+              </a:schemeClr>
+            </a:gs>
+          </a:gsLst>
+          <a:lin ang="16200000" scaled="1"/>
+        </a:gradFill>
+        <a:gradFill rotWithShape="1">
+          <a:gsLst>
+            <a:gs pos="0">
+              <a:schemeClr val="phClr">
+                <a:tint val="100000"/>
+                <a:shade val="100000"/>
+                <a:satMod val="130000"/>
+              </a:schemeClr>
+            </a:gs>
+            <a:gs pos="100000">
+              <a:schemeClr val="phClr">
+                <a:tint val="50000"/>
+                <a:shade val="100000"/>
+                <a:satMod val="350000"/>
+              </a:schemeClr>
+            </a:gs>
+          </a:gsLst>
+          <a:lin ang="16200000" scaled="0"/>
+        </a:gradFill>
+      </a:fillStyleLst>
+      <a:lnStyleLst>
+        <a:ln w="9525" cap="flat" cmpd="sng" algn="ctr">
+          <a:solidFill>
+            <a:schemeClr val="phClr">
+              <a:shade val="95000"/>
+              <a:satMod val="105000"/>
+            </a:schemeClr>
+          </a:solidFill>
+          <a:prstDash val="solid"/>
+        </a:ln>
+        <a:ln w="25400" cap="flat" cmpd="sng" algn="ctr">
+          <a:solidFill>
+            <a:schemeClr val="phClr"/>
+          </a:solidFill>
+          <a:prstDash val="solid"/>
+        </a:ln>
+        <a:ln w="38100" cap="flat" cmpd="sng" algn="ctr">
+          <a:solidFill>
+            <a:schemeClr val="phClr"/>
+          </a:solidFill>
+          <a:prstDash val="solid"/>
+        </a:ln>
+      </a:lnStyleLst>
+      <a:effectStyleLst>
+        <a:effectStyle>
+          <a:effectLst>
+            <a:outerShdw blurRad="40000" dist="20000" dir="5400000" rotWithShape="0">
+              <a:srgbClr val="000000">
+                <a:alpha val="38000"/>
+              </a:srgbClr>
+            </a:outerShdw>
+          </a:effectLst>
+        </a:effectStyle>
+        <a:effectStyle>
+          <a:effectLst>
+            <a:outerShdw blurRad="40000" dist="23000" dir="5400000" rotWithShape="0">
+              <a:srgbClr val="000000">
+                <a:alpha val="35000"/>
+              </a:srgbClr>
+            </a:outerShdw>
+          </a:effectLst>
+        </a:effectStyle>
+        <a:effectStyle>
+          <a:effectLst>
+            <a:outerShdw blurRad="40000" dist="23000" dir="5400000" rotWithShape="0">
+              <a:srgbClr val="000000">
+                <a:alpha val="35000"/>
+              </a:srgbClr>
+            </a:outerShdw>
+          </a:effectLst>
+          <a:scene3d>
+            <a:camera prst="orthographicFront">
+              <a:rot lat="0" lon="0" rev="0"/>
+            </a:camera>
+            <a:lightRig rig="threePt" dir="t">
+              <a:rot lat="0" lon="0" rev="1200000"/>
+            </a:lightRig>
+          </a:scene3d>
+          <a:sp3d>
+            <a:bevelT w="63500" h="25400"/>
+          </a:sp3d>
+        </a:effectStyle>
+      </a:effectStyleLst>
+      <a:bgFillStyleLst>
+        <a:solidFill>
+          <a:schemeClr val="phClr"/>
+        </a:solidFill>
+        <a:gradFill rotWithShape="1">
+          <a:gsLst>
+            <a:gs pos="0">
+              <a:schemeClr val="phClr">
+                <a:tint val="40000"/>
+                <a:satMod val="350000"/>
+              </a:schemeClr>
+            </a:gs>
+            <a:gs pos="40000">
+              <a:schemeClr val="phClr">
+                <a:tint val="45000"/>
+                <a:shade val="99000"/>
+                <a:satMod val="350000"/>
+              </a:schemeClr>
+            </a:gs>
+            <a:gs pos="100000">
+              <a:schemeClr val="phClr">
+                <a:shade val="20000"/>
+                <a:satMod val="255000"/>
+              </a:schemeClr>
+            </a:gs>
+          </a:gsLst>
+          <a:path path="circle">
+            <a:fillToRect l="50000" t="-80000" r="50000" b="180000"/>
+          </a:path>
+        </a:gradFill>
+        <a:gradFill rotWithShape="1">
+          <a:gsLst>
+            <a:gs pos="0">
+              <a:schemeClr val="phClr">
+                <a:tint val="80000"/>
+                <a:satMod val="300000"/>
+              </a:schemeClr>
+            </a:gs>
+            <a:gs pos="100000">
+              <a:schemeClr val="phClr">
+                <a:shade val="30000"/>
+                <a:satMod val="200000"/>
+              </a:schemeClr>
+            </a:gs>
+          </a:gsLst>
+          <a:path path="circle">
+            <a:fillToRect l="50000" t="50000" r="50000" b="50000"/>
+          </a:path>
+        </a:gradFill>
+      </a:bgFillStyleLst>
+    </a:fmtScheme>
+  </a:themeElements>
+</a:theme>
+</file>
+
+<file path=ppt/theme/theme2.xml><?xml version="1.0" encoding="utf-8"?>
 <a:theme xmlns:a="http://schemas.openxmlformats.org/drawingml/2006/main" xmlns:r="http://schemas.openxmlformats.org/officeDocument/2006/relationships" name="Simple Light">
   <a:themeElements>
     <a:clrScheme name="Simple Light">
@@ -7307,283 +7607,4 @@
     </a:fmtScheme>
   </a:themeElements>
 </a:theme>
-</file>
-
-<file path=ppt/theme/theme2.xml><?xml version="1.0" encoding="utf-8"?>
-<a:theme xmlns:a="http://schemas.openxmlformats.org/drawingml/2006/main" xmlns:r="http://schemas.openxmlformats.org/officeDocument/2006/relationships">
-  <a:themeElements>
-    <a:clrScheme name="Default">
-      <a:dk1>
-        <a:srgbClr val="000000"/>
-      </a:dk1>
-      <a:lt1>
-        <a:srgbClr val="FFFFFF"/>
-      </a:lt1>
-      <a:dk2>
-        <a:srgbClr val="158158"/>
-      </a:dk2>
-      <a:lt2>
-        <a:srgbClr val="F3F3F3"/>
-      </a:lt2>
-      <a:accent1>
-        <a:srgbClr val="058DC7"/>
-      </a:accent1>
-      <a:accent2>
-        <a:srgbClr val="50B432"/>
-      </a:accent2>
-      <a:accent3>
-        <a:srgbClr val="ED561B"/>
-      </a:accent3>
-      <a:accent4>
-        <a:srgbClr val="EDEF00"/>
-      </a:accent4>
-      <a:accent5>
-        <a:srgbClr val="24CBE5"/>
-      </a:accent5>
-      <a:accent6>
-        <a:srgbClr val="64E572"/>
-      </a:accent6>
-      <a:hlink>
-        <a:srgbClr val="2200CC"/>
-      </a:hlink>
-      <a:folHlink>
-        <a:srgbClr val="551A8B"/>
-      </a:folHlink>
-    </a:clrScheme>
-    <a:fontScheme name="Office">
-      <a:majorFont>
-        <a:latin typeface="Arial"/>
-        <a:ea typeface=""/>
-        <a:cs typeface=""/>
-        <a:font script="Jpan" typeface="ＭＳ Ｐゴシック"/>
-        <a:font script="Hang" typeface="맑은 고딕"/>
-        <a:font script="Hans" typeface="宋体"/>
-        <a:font script="Hant" typeface="新細明體"/>
-        <a:font script="Arab" typeface="Times New Roman"/>
-        <a:font script="Hebr" typeface="Times New Roman"/>
-        <a:font script="Thai" typeface="Angsana New"/>
-        <a:font script="Ethi" typeface="Nyala"/>
-        <a:font script="Beng" typeface="Vrinda"/>
-        <a:font script="Gujr" typeface="Shruti"/>
-        <a:font script="Khmr" typeface="MoolBoran"/>
-        <a:font script="Knda" typeface="Tunga"/>
-        <a:font script="Guru" typeface="Raavi"/>
-        <a:font script="Cans" typeface="Euphemia"/>
-        <a:font script="Cher" typeface="Plantagenet Cherokee"/>
-        <a:font script="Yiii" typeface="Microsoft Yi Baiti"/>
-        <a:font script="Tibt" typeface="Microsoft Himalaya"/>
-        <a:font script="Thaa" typeface="MV Boli"/>
-        <a:font script="Deva" typeface="Mangal"/>
-        <a:font script="Telu" typeface="Gautami"/>
-        <a:font script="Taml" typeface="Latha"/>
-        <a:font script="Syrc" typeface="Estrangelo Edessa"/>
-        <a:font script="Orya" typeface="Kalinga"/>
-        <a:font script="Mlym" typeface="Kartika"/>
-        <a:font script="Laoo" typeface="DokChampa"/>
-        <a:font script="Sinh" typeface="Iskoola Pota"/>
-        <a:font script="Mong" typeface="Mongolian Baiti"/>
-        <a:font script="Viet" typeface="Times New Roman"/>
-        <a:font script="Uigh" typeface="Microsoft Uighur"/>
-        <a:font script="Geor" typeface="Sylfaen"/>
-      </a:majorFont>
-      <a:minorFont>
-        <a:latin typeface="Arial"/>
-        <a:ea typeface=""/>
-        <a:cs typeface=""/>
-        <a:font script="Jpan" typeface="ＭＳ Ｐゴシック"/>
-        <a:font script="Hang" typeface="맑은 고딕"/>
-        <a:font script="Hans" typeface="宋体"/>
-        <a:font script="Hant" typeface="新細明體"/>
-        <a:font script="Arab" typeface="Arial"/>
-        <a:font script="Hebr" typeface="Arial"/>
-        <a:font script="Thai" typeface="Cordia New"/>
-        <a:font script="Ethi" typeface="Nyala"/>
-        <a:font script="Beng" typeface="Vrinda"/>
-        <a:font script="Gujr" typeface="Shruti"/>
-        <a:font script="Khmr" typeface="DaunPenh"/>
-        <a:font script="Knda" typeface="Tunga"/>
-        <a:font script="Guru" typeface="Raavi"/>
-        <a:font script="Cans" typeface="Euphemia"/>
-        <a:font script="Cher" typeface="Plantagenet Cherokee"/>
-        <a:font script="Yiii" typeface="Microsoft Yi Baiti"/>
-        <a:font script="Tibt" typeface="Microsoft Himalaya"/>
-        <a:font script="Thaa" typeface="MV Boli"/>
-        <a:font script="Deva" typeface="Mangal"/>
-        <a:font script="Telu" typeface="Gautami"/>
-        <a:font script="Taml" typeface="Latha"/>
-        <a:font script="Syrc" typeface="Estrangelo Edessa"/>
-        <a:font script="Orya" typeface="Kalinga"/>
-        <a:font script="Mlym" typeface="Kartika"/>
-        <a:font script="Laoo" typeface="DokChampa"/>
-        <a:font script="Sinh" typeface="Iskoola Pota"/>
-        <a:font script="Mong" typeface="Mongolian Baiti"/>
-        <a:font script="Viet" typeface="Arial"/>
-        <a:font script="Uigh" typeface="Microsoft Uighur"/>
-        <a:font script="Geor" typeface="Sylfaen"/>
-      </a:minorFont>
-    </a:fontScheme>
-    <a:fmtScheme name="Office">
-      <a:fillStyleLst>
-        <a:solidFill>
-          <a:schemeClr val="phClr"/>
-        </a:solidFill>
-        <a:gradFill rotWithShape="1">
-          <a:gsLst>
-            <a:gs pos="0">
-              <a:schemeClr val="phClr">
-                <a:tint val="50000"/>
-                <a:satMod val="300000"/>
-              </a:schemeClr>
-            </a:gs>
-            <a:gs pos="35000">
-              <a:schemeClr val="phClr">
-                <a:tint val="37000"/>
-                <a:satMod val="300000"/>
-              </a:schemeClr>
-            </a:gs>
-            <a:gs pos="100000">
-              <a:schemeClr val="phClr">
-                <a:tint val="15000"/>
-                <a:satMod val="350000"/>
-              </a:schemeClr>
-            </a:gs>
-          </a:gsLst>
-          <a:lin ang="16200000" scaled="1"/>
-        </a:gradFill>
-        <a:gradFill rotWithShape="1">
-          <a:gsLst>
-            <a:gs pos="0">
-              <a:schemeClr val="phClr">
-                <a:tint val="100000"/>
-                <a:shade val="100000"/>
-                <a:satMod val="130000"/>
-              </a:schemeClr>
-            </a:gs>
-            <a:gs pos="100000">
-              <a:schemeClr val="phClr">
-                <a:tint val="50000"/>
-                <a:shade val="100000"/>
-                <a:satMod val="350000"/>
-              </a:schemeClr>
-            </a:gs>
-          </a:gsLst>
-          <a:lin ang="16200000" scaled="0"/>
-        </a:gradFill>
-      </a:fillStyleLst>
-      <a:lnStyleLst>
-        <a:ln w="9525" cap="flat" cmpd="sng" algn="ctr">
-          <a:solidFill>
-            <a:schemeClr val="phClr">
-              <a:shade val="95000"/>
-              <a:satMod val="105000"/>
-            </a:schemeClr>
-          </a:solidFill>
-          <a:prstDash val="solid"/>
-        </a:ln>
-        <a:ln w="25400" cap="flat" cmpd="sng" algn="ctr">
-          <a:solidFill>
-            <a:schemeClr val="phClr"/>
-          </a:solidFill>
-          <a:prstDash val="solid"/>
-        </a:ln>
-        <a:ln w="38100" cap="flat" cmpd="sng" algn="ctr">
-          <a:solidFill>
-            <a:schemeClr val="phClr"/>
-          </a:solidFill>
-          <a:prstDash val="solid"/>
-        </a:ln>
-      </a:lnStyleLst>
-      <a:effectStyleLst>
-        <a:effectStyle>
-          <a:effectLst>
-            <a:outerShdw blurRad="40000" dist="20000" dir="5400000" rotWithShape="0">
-              <a:srgbClr val="000000">
-                <a:alpha val="38000"/>
-              </a:srgbClr>
-            </a:outerShdw>
-          </a:effectLst>
-        </a:effectStyle>
-        <a:effectStyle>
-          <a:effectLst>
-            <a:outerShdw blurRad="40000" dist="23000" dir="5400000" rotWithShape="0">
-              <a:srgbClr val="000000">
-                <a:alpha val="35000"/>
-              </a:srgbClr>
-            </a:outerShdw>
-          </a:effectLst>
-        </a:effectStyle>
-        <a:effectStyle>
-          <a:effectLst>
-            <a:outerShdw blurRad="40000" dist="23000" dir="5400000" rotWithShape="0">
-              <a:srgbClr val="000000">
-                <a:alpha val="35000"/>
-              </a:srgbClr>
-            </a:outerShdw>
-          </a:effectLst>
-          <a:scene3d>
-            <a:camera prst="orthographicFront">
-              <a:rot lat="0" lon="0" rev="0"/>
-            </a:camera>
-            <a:lightRig rig="threePt" dir="t">
-              <a:rot lat="0" lon="0" rev="1200000"/>
-            </a:lightRig>
-          </a:scene3d>
-          <a:sp3d>
-            <a:bevelT w="63500" h="25400"/>
-          </a:sp3d>
-        </a:effectStyle>
-      </a:effectStyleLst>
-      <a:bgFillStyleLst>
-        <a:solidFill>
-          <a:schemeClr val="phClr"/>
-        </a:solidFill>
-        <a:gradFill rotWithShape="1">
-          <a:gsLst>
-            <a:gs pos="0">
-              <a:schemeClr val="phClr">
-                <a:tint val="40000"/>
-                <a:satMod val="350000"/>
-              </a:schemeClr>
-            </a:gs>
-            <a:gs pos="40000">
-              <a:schemeClr val="phClr">
-                <a:tint val="45000"/>
-                <a:shade val="99000"/>
-                <a:satMod val="350000"/>
-              </a:schemeClr>
-            </a:gs>
-            <a:gs pos="100000">
-              <a:schemeClr val="phClr">
-                <a:shade val="20000"/>
-                <a:satMod val="255000"/>
-              </a:schemeClr>
-            </a:gs>
-          </a:gsLst>
-          <a:path path="circle">
-            <a:fillToRect l="50000" t="-80000" r="50000" b="180000"/>
-          </a:path>
-        </a:gradFill>
-        <a:gradFill rotWithShape="1">
-          <a:gsLst>
-            <a:gs pos="0">
-              <a:schemeClr val="phClr">
-                <a:tint val="80000"/>
-                <a:satMod val="300000"/>
-              </a:schemeClr>
-            </a:gs>
-            <a:gs pos="100000">
-              <a:schemeClr val="phClr">
-                <a:shade val="30000"/>
-                <a:satMod val="200000"/>
-              </a:schemeClr>
-            </a:gs>
-          </a:gsLst>
-          <a:path path="circle">
-            <a:fillToRect l="50000" t="50000" r="50000" b="50000"/>
-          </a:path>
-        </a:gradFill>
-      </a:bgFillStyleLst>
-    </a:fmtScheme>
-  </a:themeElements>
-</a:theme>
 </file>